--- a/report.pptx
+++ b/report.pptx
@@ -108,6 +108,11 @@
       </a:defRPr>
     </a:lvl9pPr>
   </p:defaultTextStyle>
+  <p:extLst>
+    <p:ext uri="{EFAFB233-063F-42B5-8137-9DF3F51BA10A}">
+      <p15:sldGuideLst xmlns:p15="http://schemas.microsoft.com/office/powerpoint/2012/main"/>
+    </p:ext>
+  </p:extLst>
 </p:presentation>
 </file>
 
@@ -3708,7 +3713,7 @@
         </p:nvSpPr>
         <p:spPr>
           <a:xfrm>
-            <a:off x="838200" y="286322"/>
+            <a:off x="886326" y="609455"/>
             <a:ext cx="10515600" cy="679904"/>
           </a:xfrm>
         </p:spPr>
@@ -3719,7 +3724,7 @@
           <a:lstStyle/>
           <a:p>
             <a:r>
-              <a:rPr lang="en-CA" sz="3600" dirty="0"/>
+              <a:rPr lang="en-CA" sz="4000" dirty="0"/>
               <a:t>Data preprocessing</a:t>
             </a:r>
           </a:p>
@@ -3743,7 +3748,7 @@
         </p:nvSpPr>
         <p:spPr>
           <a:xfrm>
-            <a:off x="838200" y="1289359"/>
+            <a:off x="955078" y="1542741"/>
             <a:ext cx="10515600" cy="4705804"/>
           </a:xfrm>
         </p:spPr>
@@ -3901,7 +3906,7 @@
         </p:nvSpPr>
         <p:spPr>
           <a:xfrm>
-            <a:off x="576943" y="448020"/>
+            <a:off x="576943" y="633648"/>
             <a:ext cx="10515600" cy="679904"/>
           </a:xfrm>
         </p:spPr>
@@ -3980,7 +3985,410 @@
         </p:nvSpPr>
         <p:spPr>
           <a:xfrm>
-            <a:off x="576943" y="1284007"/>
+            <a:off x="652570" y="1570089"/>
+            <a:ext cx="10515600" cy="3954886"/>
+          </a:xfrm>
+          <a:prstGeom prst="rect">
+            <a:avLst/>
+          </a:prstGeom>
+        </p:spPr>
+        <p:txBody>
+          <a:bodyPr vert="horz" lIns="91440" tIns="45720" rIns="91440" bIns="45720" rtlCol="0">
+            <a:normAutofit fontScale="85000" lnSpcReduction="20000"/>
+          </a:bodyPr>
+          <a:lstStyle>
+            <a:lvl1pPr marL="228600" indent="-228600" algn="l" defTabSz="914400" rtl="0" eaLnBrk="1" latinLnBrk="0" hangingPunct="1">
+              <a:lnSpc>
+                <a:spcPct val="90000"/>
+              </a:lnSpc>
+              <a:spcBef>
+                <a:spcPts val="1000"/>
+              </a:spcBef>
+              <a:buFont typeface="Arial" panose="020B0604020202020204" pitchFamily="34" charset="0"/>
+              <a:buChar char="•"/>
+              <a:defRPr sz="2800" kern="1200">
+                <a:solidFill>
+                  <a:schemeClr val="tx1"/>
+                </a:solidFill>
+                <a:latin typeface="+mn-lt"/>
+                <a:ea typeface="+mn-ea"/>
+                <a:cs typeface="+mn-cs"/>
+              </a:defRPr>
+            </a:lvl1pPr>
+            <a:lvl2pPr marL="685800" indent="-228600" algn="l" defTabSz="914400" rtl="0" eaLnBrk="1" latinLnBrk="0" hangingPunct="1">
+              <a:lnSpc>
+                <a:spcPct val="90000"/>
+              </a:lnSpc>
+              <a:spcBef>
+                <a:spcPts val="500"/>
+              </a:spcBef>
+              <a:buFont typeface="Arial" panose="020B0604020202020204" pitchFamily="34" charset="0"/>
+              <a:buChar char="•"/>
+              <a:defRPr sz="2400" kern="1200">
+                <a:solidFill>
+                  <a:schemeClr val="tx1"/>
+                </a:solidFill>
+                <a:latin typeface="+mn-lt"/>
+                <a:ea typeface="+mn-ea"/>
+                <a:cs typeface="+mn-cs"/>
+              </a:defRPr>
+            </a:lvl2pPr>
+            <a:lvl3pPr marL="1143000" indent="-228600" algn="l" defTabSz="914400" rtl="0" eaLnBrk="1" latinLnBrk="0" hangingPunct="1">
+              <a:lnSpc>
+                <a:spcPct val="90000"/>
+              </a:lnSpc>
+              <a:spcBef>
+                <a:spcPts val="500"/>
+              </a:spcBef>
+              <a:buFont typeface="Arial" panose="020B0604020202020204" pitchFamily="34" charset="0"/>
+              <a:buChar char="•"/>
+              <a:defRPr sz="2000" kern="1200">
+                <a:solidFill>
+                  <a:schemeClr val="tx1"/>
+                </a:solidFill>
+                <a:latin typeface="+mn-lt"/>
+                <a:ea typeface="+mn-ea"/>
+                <a:cs typeface="+mn-cs"/>
+              </a:defRPr>
+            </a:lvl3pPr>
+            <a:lvl4pPr marL="1600200" indent="-228600" algn="l" defTabSz="914400" rtl="0" eaLnBrk="1" latinLnBrk="0" hangingPunct="1">
+              <a:lnSpc>
+                <a:spcPct val="90000"/>
+              </a:lnSpc>
+              <a:spcBef>
+                <a:spcPts val="500"/>
+              </a:spcBef>
+              <a:buFont typeface="Arial" panose="020B0604020202020204" pitchFamily="34" charset="0"/>
+              <a:buChar char="•"/>
+              <a:defRPr sz="1800" kern="1200">
+                <a:solidFill>
+                  <a:schemeClr val="tx1"/>
+                </a:solidFill>
+                <a:latin typeface="+mn-lt"/>
+                <a:ea typeface="+mn-ea"/>
+                <a:cs typeface="+mn-cs"/>
+              </a:defRPr>
+            </a:lvl4pPr>
+            <a:lvl5pPr marL="2057400" indent="-228600" algn="l" defTabSz="914400" rtl="0" eaLnBrk="1" latinLnBrk="0" hangingPunct="1">
+              <a:lnSpc>
+                <a:spcPct val="90000"/>
+              </a:lnSpc>
+              <a:spcBef>
+                <a:spcPts val="500"/>
+              </a:spcBef>
+              <a:buFont typeface="Arial" panose="020B0604020202020204" pitchFamily="34" charset="0"/>
+              <a:buChar char="•"/>
+              <a:defRPr sz="1800" kern="1200">
+                <a:solidFill>
+                  <a:schemeClr val="tx1"/>
+                </a:solidFill>
+                <a:latin typeface="+mn-lt"/>
+                <a:ea typeface="+mn-ea"/>
+                <a:cs typeface="+mn-cs"/>
+              </a:defRPr>
+            </a:lvl5pPr>
+            <a:lvl6pPr marL="2514600" indent="-228600" algn="l" defTabSz="914400" rtl="0" eaLnBrk="1" latinLnBrk="0" hangingPunct="1">
+              <a:lnSpc>
+                <a:spcPct val="90000"/>
+              </a:lnSpc>
+              <a:spcBef>
+                <a:spcPts val="500"/>
+              </a:spcBef>
+              <a:buFont typeface="Arial" panose="020B0604020202020204" pitchFamily="34" charset="0"/>
+              <a:buChar char="•"/>
+              <a:defRPr sz="1800" kern="1200">
+                <a:solidFill>
+                  <a:schemeClr val="tx1"/>
+                </a:solidFill>
+                <a:latin typeface="+mn-lt"/>
+                <a:ea typeface="+mn-ea"/>
+                <a:cs typeface="+mn-cs"/>
+              </a:defRPr>
+            </a:lvl6pPr>
+            <a:lvl7pPr marL="2971800" indent="-228600" algn="l" defTabSz="914400" rtl="0" eaLnBrk="1" latinLnBrk="0" hangingPunct="1">
+              <a:lnSpc>
+                <a:spcPct val="90000"/>
+              </a:lnSpc>
+              <a:spcBef>
+                <a:spcPts val="500"/>
+              </a:spcBef>
+              <a:buFont typeface="Arial" panose="020B0604020202020204" pitchFamily="34" charset="0"/>
+              <a:buChar char="•"/>
+              <a:defRPr sz="1800" kern="1200">
+                <a:solidFill>
+                  <a:schemeClr val="tx1"/>
+                </a:solidFill>
+                <a:latin typeface="+mn-lt"/>
+                <a:ea typeface="+mn-ea"/>
+                <a:cs typeface="+mn-cs"/>
+              </a:defRPr>
+            </a:lvl7pPr>
+            <a:lvl8pPr marL="3429000" indent="-228600" algn="l" defTabSz="914400" rtl="0" eaLnBrk="1" latinLnBrk="0" hangingPunct="1">
+              <a:lnSpc>
+                <a:spcPct val="90000"/>
+              </a:lnSpc>
+              <a:spcBef>
+                <a:spcPts val="500"/>
+              </a:spcBef>
+              <a:buFont typeface="Arial" panose="020B0604020202020204" pitchFamily="34" charset="0"/>
+              <a:buChar char="•"/>
+              <a:defRPr sz="1800" kern="1200">
+                <a:solidFill>
+                  <a:schemeClr val="tx1"/>
+                </a:solidFill>
+                <a:latin typeface="+mn-lt"/>
+                <a:ea typeface="+mn-ea"/>
+                <a:cs typeface="+mn-cs"/>
+              </a:defRPr>
+            </a:lvl8pPr>
+            <a:lvl9pPr marL="3886200" indent="-228600" algn="l" defTabSz="914400" rtl="0" eaLnBrk="1" latinLnBrk="0" hangingPunct="1">
+              <a:lnSpc>
+                <a:spcPct val="90000"/>
+              </a:lnSpc>
+              <a:spcBef>
+                <a:spcPts val="500"/>
+              </a:spcBef>
+              <a:buFont typeface="Arial" panose="020B0604020202020204" pitchFamily="34" charset="0"/>
+              <a:buChar char="•"/>
+              <a:defRPr sz="1800" kern="1200">
+                <a:solidFill>
+                  <a:schemeClr val="tx1"/>
+                </a:solidFill>
+                <a:latin typeface="+mn-lt"/>
+                <a:ea typeface="+mn-ea"/>
+                <a:cs typeface="+mn-cs"/>
+              </a:defRPr>
+            </a:lvl9pPr>
+          </a:lstStyle>
+          <a:p>
+            <a:pPr marL="0" indent="0">
+              <a:lnSpc>
+                <a:spcPct val="110000"/>
+              </a:lnSpc>
+              <a:buNone/>
+            </a:pPr>
+            <a:r>
+              <a:rPr lang="en-US" u="sng" dirty="0"/>
+              <a:t>Baseline model: NLP</a:t>
+            </a:r>
+          </a:p>
+          <a:p>
+            <a:pPr>
+              <a:lnSpc>
+                <a:spcPct val="110000"/>
+              </a:lnSpc>
+            </a:pPr>
+            <a:r>
+              <a:rPr lang="en-US" sz="2000" dirty="0"/>
+              <a:t>Use TF-IDF to vectorize review column and use </a:t>
+            </a:r>
+            <a:r>
+              <a:rPr lang="en-US" sz="2000" dirty="0" err="1"/>
+              <a:t>multinomialNB</a:t>
+            </a:r>
+            <a:r>
+              <a:rPr lang="en-US" sz="2000" dirty="0"/>
+              <a:t> to classify rating target</a:t>
+            </a:r>
+          </a:p>
+          <a:p>
+            <a:pPr>
+              <a:lnSpc>
+                <a:spcPct val="110000"/>
+              </a:lnSpc>
+            </a:pPr>
+            <a:r>
+              <a:rPr lang="en-US" sz="2000" dirty="0"/>
+              <a:t>Training and validation accuracy is around 75%</a:t>
+            </a:r>
+          </a:p>
+          <a:p>
+            <a:pPr marL="0" indent="0">
+              <a:lnSpc>
+                <a:spcPct val="110000"/>
+              </a:lnSpc>
+              <a:buNone/>
+            </a:pPr>
+            <a:r>
+              <a:rPr lang="en-US" u="sng" dirty="0"/>
+              <a:t>Deep learning Model: CNN</a:t>
+            </a:r>
+          </a:p>
+          <a:p>
+            <a:pPr>
+              <a:lnSpc>
+                <a:spcPct val="110000"/>
+              </a:lnSpc>
+            </a:pPr>
+            <a:r>
+              <a:rPr lang="en-US" sz="2000" dirty="0"/>
+              <a:t>Use word – embedding to Vectorize and create sequence for training/validation data </a:t>
+            </a:r>
+          </a:p>
+          <a:p>
+            <a:pPr>
+              <a:lnSpc>
+                <a:spcPct val="110000"/>
+              </a:lnSpc>
+            </a:pPr>
+            <a:r>
+              <a:rPr lang="en-US" sz="2000" dirty="0"/>
+              <a:t>Use early stopping to avoid over-fitting</a:t>
+            </a:r>
+          </a:p>
+          <a:p>
+            <a:pPr>
+              <a:lnSpc>
+                <a:spcPct val="110000"/>
+              </a:lnSpc>
+            </a:pPr>
+            <a:r>
+              <a:rPr lang="en-US" sz="2000" dirty="0"/>
+              <a:t>Training and validation accuracy is around same, approximately 90%</a:t>
+            </a:r>
+          </a:p>
+          <a:p>
+            <a:pPr marL="0" indent="0">
+              <a:lnSpc>
+                <a:spcPct val="110000"/>
+              </a:lnSpc>
+              <a:buNone/>
+            </a:pPr>
+            <a:endParaRPr lang="en-US" sz="2000" dirty="0"/>
+          </a:p>
+          <a:p>
+            <a:pPr marL="0" indent="0">
+              <a:lnSpc>
+                <a:spcPct val="110000"/>
+              </a:lnSpc>
+              <a:buNone/>
+            </a:pPr>
+            <a:r>
+              <a:rPr lang="en-US" b="1" dirty="0">
+                <a:solidFill>
+                  <a:srgbClr val="FF0000"/>
+                </a:solidFill>
+              </a:rPr>
+              <a:t>Champion Model: DL model</a:t>
+            </a:r>
+          </a:p>
+          <a:p>
+            <a:pPr marL="0" indent="0">
+              <a:lnSpc>
+                <a:spcPct val="110000"/>
+              </a:lnSpc>
+              <a:buNone/>
+            </a:pPr>
+            <a:r>
+              <a:rPr lang="en-US" sz="2000" dirty="0"/>
+              <a:t>Model accuracy on Dev data: 89%</a:t>
+            </a:r>
+          </a:p>
+          <a:p>
+            <a:pPr marL="0" indent="0">
+              <a:lnSpc>
+                <a:spcPct val="110000"/>
+              </a:lnSpc>
+              <a:buNone/>
+            </a:pPr>
+            <a:endParaRPr lang="en-US" sz="2000" dirty="0"/>
+          </a:p>
+          <a:p>
+            <a:pPr marL="0" indent="0">
+              <a:lnSpc>
+                <a:spcPct val="110000"/>
+              </a:lnSpc>
+              <a:buNone/>
+            </a:pPr>
+            <a:endParaRPr lang="en-US" sz="2400" dirty="0"/>
+          </a:p>
+          <a:p>
+            <a:endParaRPr lang="en-CA" dirty="0"/>
+          </a:p>
+        </p:txBody>
+      </p:sp>
+    </p:spTree>
+    <p:extLst>
+      <p:ext uri="{BB962C8B-B14F-4D97-AF65-F5344CB8AC3E}">
+        <p14:creationId xmlns:p14="http://schemas.microsoft.com/office/powerpoint/2010/main" val="3441878206"/>
+      </p:ext>
+    </p:extLst>
+  </p:cSld>
+  <p:clrMapOvr>
+    <a:masterClrMapping/>
+  </p:clrMapOvr>
+</p:sld>
+</file>
+
+<file path=ppt/slides/slide5.xml><?xml version="1.0" encoding="utf-8"?>
+<p:sld xmlns:a="http://schemas.openxmlformats.org/drawingml/2006/main" xmlns:r="http://schemas.openxmlformats.org/officeDocument/2006/relationships" xmlns:p="http://schemas.openxmlformats.org/presentationml/2006/main">
+  <p:cSld>
+    <p:spTree>
+      <p:nvGrpSpPr>
+        <p:cNvPr id="1" name=""/>
+        <p:cNvGrpSpPr/>
+        <p:nvPr/>
+      </p:nvGrpSpPr>
+      <p:grpSpPr>
+        <a:xfrm>
+          <a:off x="0" y="0"/>
+          <a:ext cx="0" cy="0"/>
+          <a:chOff x="0" y="0"/>
+          <a:chExt cx="0" cy="0"/>
+        </a:xfrm>
+      </p:grpSpPr>
+      <p:sp>
+        <p:nvSpPr>
+          <p:cNvPr id="2" name="Title 1">
+            <a:extLst>
+              <a:ext uri="{FF2B5EF4-FFF2-40B4-BE49-F238E27FC236}">
+                <a16:creationId xmlns:a16="http://schemas.microsoft.com/office/drawing/2014/main" id="{AC3C609A-2B9E-4549-8130-306EB4F03828}"/>
+              </a:ext>
+            </a:extLst>
+          </p:cNvPr>
+          <p:cNvSpPr>
+            <a:spLocks noGrp="1"/>
+          </p:cNvSpPr>
+          <p:nvPr>
+            <p:ph type="title"/>
+          </p:nvPr>
+        </p:nvSpPr>
+        <p:spPr>
+          <a:xfrm>
+            <a:off x="631944" y="691959"/>
+            <a:ext cx="10515600" cy="679904"/>
+          </a:xfrm>
+        </p:spPr>
+        <p:txBody>
+          <a:bodyPr>
+            <a:normAutofit fontScale="90000"/>
+          </a:bodyPr>
+          <a:lstStyle/>
+          <a:p>
+            <a:r>
+              <a:rPr lang="en-CA" dirty="0"/>
+              <a:t>Further improvement</a:t>
+            </a:r>
+          </a:p>
+        </p:txBody>
+      </p:sp>
+      <p:sp>
+        <p:nvSpPr>
+          <p:cNvPr id="5" name="Content Placeholder 2">
+            <a:extLst>
+              <a:ext uri="{FF2B5EF4-FFF2-40B4-BE49-F238E27FC236}">
+                <a16:creationId xmlns:a16="http://schemas.microsoft.com/office/drawing/2014/main" id="{44360352-1C39-40BC-9EB4-0E51197C7265}"/>
+              </a:ext>
+            </a:extLst>
+          </p:cNvPr>
+          <p:cNvSpPr txBox="1">
+            <a:spLocks/>
+          </p:cNvSpPr>
+          <p:nvPr/>
+        </p:nvSpPr>
+        <p:spPr>
+          <a:xfrm>
+            <a:off x="666320" y="1853125"/>
             <a:ext cx="10515600" cy="3954886"/>
           </a:xfrm>
           <a:prstGeom prst="rect">
@@ -4156,369 +4564,20 @@
             </a:lvl9pPr>
           </a:lstStyle>
           <a:p>
-            <a:pPr marL="0" indent="0">
-              <a:lnSpc>
-                <a:spcPct val="110000"/>
-              </a:lnSpc>
-              <a:buNone/>
-            </a:pPr>
-            <a:r>
-              <a:rPr lang="en-US" sz="2400" u="sng" dirty="0"/>
-              <a:t>Baseline model: NLP</a:t>
-            </a:r>
-          </a:p>
-          <a:p>
-            <a:pPr>
-              <a:lnSpc>
-                <a:spcPct val="110000"/>
-              </a:lnSpc>
-            </a:pPr>
-            <a:r>
-              <a:rPr lang="en-US" sz="2000" dirty="0"/>
-              <a:t>Use TF-IDF to vectorize review column and use </a:t>
-            </a:r>
-            <a:r>
-              <a:rPr lang="en-US" sz="2000" dirty="0" err="1"/>
-              <a:t>multinomialNB</a:t>
-            </a:r>
-            <a:r>
-              <a:rPr lang="en-US" sz="2000" dirty="0"/>
-              <a:t> to classify rating target</a:t>
-            </a:r>
-          </a:p>
-          <a:p>
-            <a:pPr>
-              <a:lnSpc>
-                <a:spcPct val="110000"/>
-              </a:lnSpc>
-            </a:pPr>
-            <a:r>
-              <a:rPr lang="en-US" sz="2000" dirty="0"/>
-              <a:t>Training and validation accuracy is around 75%</a:t>
-            </a:r>
-          </a:p>
-          <a:p>
-            <a:pPr marL="0" indent="0">
-              <a:lnSpc>
-                <a:spcPct val="110000"/>
-              </a:lnSpc>
-              <a:buNone/>
-            </a:pPr>
-            <a:r>
-              <a:rPr lang="en-US" sz="2400" u="sng" dirty="0"/>
-              <a:t>Deep learning Model: CNN</a:t>
-            </a:r>
-          </a:p>
-          <a:p>
-            <a:pPr>
-              <a:lnSpc>
-                <a:spcPct val="110000"/>
-              </a:lnSpc>
-            </a:pPr>
-            <a:r>
-              <a:rPr lang="en-US" sz="2000" dirty="0"/>
-              <a:t>Use word – embedding to Vectorize and create sequence for training/validation data </a:t>
-            </a:r>
-          </a:p>
-          <a:p>
-            <a:pPr>
-              <a:lnSpc>
-                <a:spcPct val="110000"/>
-              </a:lnSpc>
-            </a:pPr>
-            <a:r>
-              <a:rPr lang="en-US" sz="2000" dirty="0"/>
-              <a:t>Use early stopping to avoid over-fitting</a:t>
-            </a:r>
-          </a:p>
-          <a:p>
-            <a:pPr>
-              <a:lnSpc>
-                <a:spcPct val="110000"/>
-              </a:lnSpc>
-            </a:pPr>
-            <a:r>
-              <a:rPr lang="en-US" sz="2000" dirty="0"/>
-              <a:t>Training and validation accuracy is around same, approximately 90%</a:t>
-            </a:r>
-            <a:endParaRPr lang="en-US" sz="2400" dirty="0"/>
-          </a:p>
-          <a:p>
-            <a:endParaRPr lang="en-CA" dirty="0"/>
-          </a:p>
-        </p:txBody>
-      </p:sp>
-    </p:spTree>
-    <p:extLst>
-      <p:ext uri="{BB962C8B-B14F-4D97-AF65-F5344CB8AC3E}">
-        <p14:creationId xmlns:p14="http://schemas.microsoft.com/office/powerpoint/2010/main" val="3441878206"/>
-      </p:ext>
-    </p:extLst>
-  </p:cSld>
-  <p:clrMapOvr>
-    <a:masterClrMapping/>
-  </p:clrMapOvr>
-</p:sld>
-</file>
-
-<file path=ppt/slides/slide5.xml><?xml version="1.0" encoding="utf-8"?>
-<p:sld xmlns:a="http://schemas.openxmlformats.org/drawingml/2006/main" xmlns:r="http://schemas.openxmlformats.org/officeDocument/2006/relationships" xmlns:p="http://schemas.openxmlformats.org/presentationml/2006/main">
-  <p:cSld>
-    <p:spTree>
-      <p:nvGrpSpPr>
-        <p:cNvPr id="1" name=""/>
-        <p:cNvGrpSpPr/>
-        <p:nvPr/>
-      </p:nvGrpSpPr>
-      <p:grpSpPr>
-        <a:xfrm>
-          <a:off x="0" y="0"/>
-          <a:ext cx="0" cy="0"/>
-          <a:chOff x="0" y="0"/>
-          <a:chExt cx="0" cy="0"/>
-        </a:xfrm>
-      </p:grpSpPr>
-      <p:sp>
-        <p:nvSpPr>
-          <p:cNvPr id="2" name="Title 1">
-            <a:extLst>
-              <a:ext uri="{FF2B5EF4-FFF2-40B4-BE49-F238E27FC236}">
-                <a16:creationId xmlns:a16="http://schemas.microsoft.com/office/drawing/2014/main" id="{AC3C609A-2B9E-4549-8130-306EB4F03828}"/>
-              </a:ext>
-            </a:extLst>
-          </p:cNvPr>
-          <p:cNvSpPr>
-            <a:spLocks noGrp="1"/>
-          </p:cNvSpPr>
-          <p:nvPr>
-            <p:ph type="title"/>
-          </p:nvPr>
-        </p:nvSpPr>
-        <p:spPr>
-          <a:xfrm>
-            <a:off x="631944" y="691959"/>
-            <a:ext cx="10515600" cy="679904"/>
-          </a:xfrm>
-        </p:spPr>
-        <p:txBody>
-          <a:bodyPr>
-            <a:normAutofit fontScale="90000"/>
-          </a:bodyPr>
-          <a:lstStyle/>
-          <a:p>
-            <a:r>
-              <a:rPr lang="en-CA" dirty="0"/>
-              <a:t>Further improvement</a:t>
-            </a:r>
-          </a:p>
-        </p:txBody>
-      </p:sp>
-      <p:sp>
-        <p:nvSpPr>
-          <p:cNvPr id="5" name="Content Placeholder 2">
-            <a:extLst>
-              <a:ext uri="{FF2B5EF4-FFF2-40B4-BE49-F238E27FC236}">
-                <a16:creationId xmlns:a16="http://schemas.microsoft.com/office/drawing/2014/main" id="{44360352-1C39-40BC-9EB4-0E51197C7265}"/>
-              </a:ext>
-            </a:extLst>
-          </p:cNvPr>
-          <p:cNvSpPr txBox="1">
-            <a:spLocks/>
-          </p:cNvSpPr>
-          <p:nvPr/>
-        </p:nvSpPr>
-        <p:spPr>
-          <a:xfrm>
-            <a:off x="570067" y="2045631"/>
-            <a:ext cx="10515600" cy="3954886"/>
-          </a:xfrm>
-          <a:prstGeom prst="rect">
-            <a:avLst/>
-          </a:prstGeom>
-        </p:spPr>
-        <p:txBody>
-          <a:bodyPr vert="horz" lIns="91440" tIns="45720" rIns="91440" bIns="45720" rtlCol="0">
-            <a:normAutofit/>
-          </a:bodyPr>
-          <a:lstStyle>
-            <a:lvl1pPr marL="228600" indent="-228600" algn="l" defTabSz="914400" rtl="0" eaLnBrk="1" latinLnBrk="0" hangingPunct="1">
-              <a:lnSpc>
-                <a:spcPct val="90000"/>
-              </a:lnSpc>
-              <a:spcBef>
-                <a:spcPts val="1000"/>
-              </a:spcBef>
-              <a:buFont typeface="Arial" panose="020B0604020202020204" pitchFamily="34" charset="0"/>
-              <a:buChar char="•"/>
-              <a:defRPr sz="2800" kern="1200">
-                <a:solidFill>
-                  <a:schemeClr val="tx1"/>
-                </a:solidFill>
-                <a:latin typeface="+mn-lt"/>
-                <a:ea typeface="+mn-ea"/>
-                <a:cs typeface="+mn-cs"/>
-              </a:defRPr>
-            </a:lvl1pPr>
-            <a:lvl2pPr marL="685800" indent="-228600" algn="l" defTabSz="914400" rtl="0" eaLnBrk="1" latinLnBrk="0" hangingPunct="1">
-              <a:lnSpc>
-                <a:spcPct val="90000"/>
-              </a:lnSpc>
-              <a:spcBef>
-                <a:spcPts val="500"/>
-              </a:spcBef>
-              <a:buFont typeface="Arial" panose="020B0604020202020204" pitchFamily="34" charset="0"/>
-              <a:buChar char="•"/>
-              <a:defRPr sz="2400" kern="1200">
-                <a:solidFill>
-                  <a:schemeClr val="tx1"/>
-                </a:solidFill>
-                <a:latin typeface="+mn-lt"/>
-                <a:ea typeface="+mn-ea"/>
-                <a:cs typeface="+mn-cs"/>
-              </a:defRPr>
-            </a:lvl2pPr>
-            <a:lvl3pPr marL="1143000" indent="-228600" algn="l" defTabSz="914400" rtl="0" eaLnBrk="1" latinLnBrk="0" hangingPunct="1">
-              <a:lnSpc>
-                <a:spcPct val="90000"/>
-              </a:lnSpc>
-              <a:spcBef>
-                <a:spcPts val="500"/>
-              </a:spcBef>
-              <a:buFont typeface="Arial" panose="020B0604020202020204" pitchFamily="34" charset="0"/>
-              <a:buChar char="•"/>
-              <a:defRPr sz="2000" kern="1200">
-                <a:solidFill>
-                  <a:schemeClr val="tx1"/>
-                </a:solidFill>
-                <a:latin typeface="+mn-lt"/>
-                <a:ea typeface="+mn-ea"/>
-                <a:cs typeface="+mn-cs"/>
-              </a:defRPr>
-            </a:lvl3pPr>
-            <a:lvl4pPr marL="1600200" indent="-228600" algn="l" defTabSz="914400" rtl="0" eaLnBrk="1" latinLnBrk="0" hangingPunct="1">
-              <a:lnSpc>
-                <a:spcPct val="90000"/>
-              </a:lnSpc>
-              <a:spcBef>
-                <a:spcPts val="500"/>
-              </a:spcBef>
-              <a:buFont typeface="Arial" panose="020B0604020202020204" pitchFamily="34" charset="0"/>
-              <a:buChar char="•"/>
-              <a:defRPr sz="1800" kern="1200">
-                <a:solidFill>
-                  <a:schemeClr val="tx1"/>
-                </a:solidFill>
-                <a:latin typeface="+mn-lt"/>
-                <a:ea typeface="+mn-ea"/>
-                <a:cs typeface="+mn-cs"/>
-              </a:defRPr>
-            </a:lvl4pPr>
-            <a:lvl5pPr marL="2057400" indent="-228600" algn="l" defTabSz="914400" rtl="0" eaLnBrk="1" latinLnBrk="0" hangingPunct="1">
-              <a:lnSpc>
-                <a:spcPct val="90000"/>
-              </a:lnSpc>
-              <a:spcBef>
-                <a:spcPts val="500"/>
-              </a:spcBef>
-              <a:buFont typeface="Arial" panose="020B0604020202020204" pitchFamily="34" charset="0"/>
-              <a:buChar char="•"/>
-              <a:defRPr sz="1800" kern="1200">
-                <a:solidFill>
-                  <a:schemeClr val="tx1"/>
-                </a:solidFill>
-                <a:latin typeface="+mn-lt"/>
-                <a:ea typeface="+mn-ea"/>
-                <a:cs typeface="+mn-cs"/>
-              </a:defRPr>
-            </a:lvl5pPr>
-            <a:lvl6pPr marL="2514600" indent="-228600" algn="l" defTabSz="914400" rtl="0" eaLnBrk="1" latinLnBrk="0" hangingPunct="1">
-              <a:lnSpc>
-                <a:spcPct val="90000"/>
-              </a:lnSpc>
-              <a:spcBef>
-                <a:spcPts val="500"/>
-              </a:spcBef>
-              <a:buFont typeface="Arial" panose="020B0604020202020204" pitchFamily="34" charset="0"/>
-              <a:buChar char="•"/>
-              <a:defRPr sz="1800" kern="1200">
-                <a:solidFill>
-                  <a:schemeClr val="tx1"/>
-                </a:solidFill>
-                <a:latin typeface="+mn-lt"/>
-                <a:ea typeface="+mn-ea"/>
-                <a:cs typeface="+mn-cs"/>
-              </a:defRPr>
-            </a:lvl6pPr>
-            <a:lvl7pPr marL="2971800" indent="-228600" algn="l" defTabSz="914400" rtl="0" eaLnBrk="1" latinLnBrk="0" hangingPunct="1">
-              <a:lnSpc>
-                <a:spcPct val="90000"/>
-              </a:lnSpc>
-              <a:spcBef>
-                <a:spcPts val="500"/>
-              </a:spcBef>
-              <a:buFont typeface="Arial" panose="020B0604020202020204" pitchFamily="34" charset="0"/>
-              <a:buChar char="•"/>
-              <a:defRPr sz="1800" kern="1200">
-                <a:solidFill>
-                  <a:schemeClr val="tx1"/>
-                </a:solidFill>
-                <a:latin typeface="+mn-lt"/>
-                <a:ea typeface="+mn-ea"/>
-                <a:cs typeface="+mn-cs"/>
-              </a:defRPr>
-            </a:lvl7pPr>
-            <a:lvl8pPr marL="3429000" indent="-228600" algn="l" defTabSz="914400" rtl="0" eaLnBrk="1" latinLnBrk="0" hangingPunct="1">
-              <a:lnSpc>
-                <a:spcPct val="90000"/>
-              </a:lnSpc>
-              <a:spcBef>
-                <a:spcPts val="500"/>
-              </a:spcBef>
-              <a:buFont typeface="Arial" panose="020B0604020202020204" pitchFamily="34" charset="0"/>
-              <a:buChar char="•"/>
-              <a:defRPr sz="1800" kern="1200">
-                <a:solidFill>
-                  <a:schemeClr val="tx1"/>
-                </a:solidFill>
-                <a:latin typeface="+mn-lt"/>
-                <a:ea typeface="+mn-ea"/>
-                <a:cs typeface="+mn-cs"/>
-              </a:defRPr>
-            </a:lvl8pPr>
-            <a:lvl9pPr marL="3886200" indent="-228600" algn="l" defTabSz="914400" rtl="0" eaLnBrk="1" latinLnBrk="0" hangingPunct="1">
-              <a:lnSpc>
-                <a:spcPct val="90000"/>
-              </a:lnSpc>
-              <a:spcBef>
-                <a:spcPts val="500"/>
-              </a:spcBef>
-              <a:buFont typeface="Arial" panose="020B0604020202020204" pitchFamily="34" charset="0"/>
-              <a:buChar char="•"/>
-              <a:defRPr sz="1800" kern="1200">
-                <a:solidFill>
-                  <a:schemeClr val="tx1"/>
-                </a:solidFill>
-                <a:latin typeface="+mn-lt"/>
-                <a:ea typeface="+mn-ea"/>
-                <a:cs typeface="+mn-cs"/>
-              </a:defRPr>
-            </a:lvl9pPr>
-          </a:lstStyle>
-          <a:p>
-            <a:r>
-              <a:rPr lang="en-CA" sz="2000" dirty="0"/>
+            <a:r>
+              <a:rPr lang="en-CA" sz="2400" dirty="0"/>
               <a:t>Better way to correct spelling errors</a:t>
             </a:r>
           </a:p>
           <a:p>
             <a:r>
-              <a:rPr lang="en-CA" sz="2000" dirty="0"/>
+              <a:rPr lang="en-CA" sz="2400" dirty="0"/>
               <a:t>Hyperparameter tuning </a:t>
             </a:r>
           </a:p>
           <a:p>
             <a:r>
-              <a:rPr lang="en-CA" sz="2000" dirty="0"/>
+              <a:rPr lang="en-CA" sz="2400" dirty="0"/>
               <a:t>Build Bidirectional LSTM + Bidirectional GRU model</a:t>
             </a:r>
           </a:p>
